--- a/hub/2020/January/49.pptx
+++ b/hub/2020/January/49.pptx
@@ -8,11 +8,10 @@
     <p:notesMasterId r:id="rId4"/>
   </p:notesMasterIdLst>
   <p:handoutMasterIdLst>
-    <p:handoutMasterId r:id="rId6"/>
+    <p:handoutMasterId r:id="rId5"/>
   </p:handoutMasterIdLst>
   <p:sldIdLst>
-    <p:sldId id="256" r:id="rId3"/>
-    <p:sldId id="257" r:id="rId5"/>
+    <p:sldId id="257" r:id="rId3"/>
   </p:sldIdLst>
   <p:sldSz cx="12192000" cy="6858000"/>
   <p:notesSz cx="6858000" cy="9144000"/>
@@ -658,84 +657,6 @@
         <p:cNvGrpSpPr/>
         <p:nvPr/>
       </p:nvGrpSpPr>
-      <p:grpSpPr>
-        <a:xfrm>
-          <a:off x="0" y="0"/>
-          <a:ext cx="0" cy="0"/>
-          <a:chOff x="0" y="0"/>
-          <a:chExt cx="0" cy="0"/>
-        </a:xfrm>
-      </p:grpSpPr>
-      <p:sp>
-        <p:nvSpPr>
-          <p:cNvPr id="2" name="幻灯片图像占位符 1"/>
-          <p:cNvSpPr>
-            <a:spLocks noGrp="1" noRot="1" noChangeAspect="1"/>
-          </p:cNvSpPr>
-          <p:nvPr>
-            <p:ph type="sldImg"/>
-          </p:nvPr>
-        </p:nvSpPr>
-        <p:spPr/>
-      </p:sp>
-      <p:sp>
-        <p:nvSpPr>
-          <p:cNvPr id="3" name="备注占位符 2"/>
-          <p:cNvSpPr>
-            <a:spLocks noGrp="1"/>
-          </p:cNvSpPr>
-          <p:nvPr>
-            <p:ph type="body" idx="1"/>
-          </p:nvPr>
-        </p:nvSpPr>
-        <p:spPr/>
-        <p:txBody>
-          <a:bodyPr/>
-          <a:lstStyle/>
-          <a:p>
-            <a:endParaRPr lang="zh-CN" altLang="en-US"/>
-          </a:p>
-        </p:txBody>
-      </p:sp>
-      <p:sp>
-        <p:nvSpPr>
-          <p:cNvPr id="4" name="灯片编号占位符 3"/>
-          <p:cNvSpPr>
-            <a:spLocks noGrp="1"/>
-          </p:cNvSpPr>
-          <p:nvPr>
-            <p:ph type="sldNum" sz="quarter" idx="10"/>
-          </p:nvPr>
-        </p:nvSpPr>
-        <p:spPr/>
-        <p:txBody>
-          <a:bodyPr/>
-          <a:lstStyle/>
-          <a:p>
-            <a:fld id="{85D0DACE-38E0-42D2-9336-2B707D34BC6D}" type="slidenum">
-              <a:rPr lang="zh-CN" altLang="en-US" smtClean="0"/>
-            </a:fld>
-            <a:endParaRPr lang="zh-CN" altLang="en-US"/>
-          </a:p>
-        </p:txBody>
-      </p:sp>
-    </p:spTree>
-  </p:cSld>
-  <p:clrMapOvr>
-    <a:masterClrMapping/>
-  </p:clrMapOvr>
-</p:notes>
-</file>
-
-<file path=ppt/notesSlides/notesSlide2.xml><?xml version="1.0" encoding="utf-8"?>
-<p:notes xmlns:a="http://schemas.openxmlformats.org/drawingml/2006/main" xmlns:r="http://schemas.openxmlformats.org/officeDocument/2006/relationships" xmlns:p="http://schemas.openxmlformats.org/presentationml/2006/main">
-  <p:cSld>
-    <p:spTree>
-      <p:nvGrpSpPr>
-        <p:cNvPr id="1" name=""/>
-        <p:cNvGrpSpPr/>
-        <p:nvPr/>
-      </p:nvGrpSpPr>
       <p:grpSpPr/>
       <p:sp>
         <p:nvSpPr>
@@ -1468,7 +1389,7 @@
               <a:spcAft>
                 <a:spcPts val="1000"/>
               </a:spcAft>
-              <a:buFont typeface="Arial" panose="020B0604020202020204" pitchFamily="34" charset="0"/>
+              <a:buFont typeface="Arial" panose="020B0604020202090204" pitchFamily="34" charset="0"/>
               <a:buChar char="•"/>
               <a:defRPr kumimoji="0" lang="zh-CN" altLang="en-US" sz="1600" b="0" i="0" u="none" strike="noStrike" kern="1200" cap="none" spc="150" normalizeH="0" baseline="0" noProof="1" dirty="0">
                 <a:solidFill>
@@ -1494,7 +1415,7 @@
               <a:spcAft>
                 <a:spcPts val="1000"/>
               </a:spcAft>
-              <a:buFont typeface="Arial" panose="020B0604020202020204" pitchFamily="34" charset="0"/>
+              <a:buFont typeface="Arial" panose="020B0604020202090204" pitchFamily="34" charset="0"/>
               <a:buChar char="•"/>
               <a:tabLst>
                 <a:tab pos="1609725" algn="l"/>
@@ -1523,7 +1444,7 @@
               <a:spcAft>
                 <a:spcPts val="1000"/>
               </a:spcAft>
-              <a:buFont typeface="Arial" panose="020B0604020202020204" pitchFamily="34" charset="0"/>
+              <a:buFont typeface="Arial" panose="020B0604020202090204" pitchFamily="34" charset="0"/>
               <a:buChar char="•"/>
               <a:defRPr kumimoji="0" lang="zh-CN" altLang="en-US" sz="1600" b="0" i="0" u="none" strike="noStrike" kern="1200" cap="none" spc="150" normalizeH="0" baseline="0" noProof="1" dirty="0">
                 <a:solidFill>
@@ -1549,7 +1470,7 @@
               <a:spcAft>
                 <a:spcPts val="1000"/>
               </a:spcAft>
-              <a:buFont typeface="Arial" panose="020B0604020202020204" pitchFamily="34" charset="0"/>
+              <a:buFont typeface="Arial" panose="020B0604020202090204" pitchFamily="34" charset="0"/>
               <a:buChar char="•"/>
               <a:defRPr kumimoji="0" lang="zh-CN" altLang="en-US" sz="1600" b="0" i="0" u="none" strike="noStrike" kern="1200" cap="none" spc="150" normalizeH="0" baseline="0" noProof="1" dirty="0">
                 <a:solidFill>
@@ -1575,7 +1496,7 @@
               <a:spcAft>
                 <a:spcPts val="1000"/>
               </a:spcAft>
-              <a:buFont typeface="Arial" panose="020B0604020202020204" pitchFamily="34" charset="0"/>
+              <a:buFont typeface="Arial" panose="020B0604020202090204" pitchFamily="34" charset="0"/>
               <a:buChar char="•"/>
               <a:defRPr kumimoji="0" lang="zh-CN" altLang="en-US" sz="1600" b="0" i="0" u="none" strike="noStrike" kern="1200" cap="none" spc="150" normalizeH="0" baseline="0" noProof="1" dirty="0">
                 <a:solidFill>
@@ -2114,7 +2035,7 @@
               <a:spcAft>
                 <a:spcPts val="1000"/>
               </a:spcAft>
-              <a:buFont typeface="Arial" panose="020B0604020202020204" pitchFamily="34" charset="0"/>
+              <a:buFont typeface="Arial" panose="020B0604020202090204" pitchFamily="34" charset="0"/>
               <a:buChar char="•"/>
               <a:defRPr kumimoji="0" lang="zh-CN" altLang="en-US" sz="1600" b="0" i="0" u="none" strike="noStrike" kern="1200" cap="none" spc="150" normalizeH="0" baseline="0" noProof="1" dirty="0">
                 <a:solidFill>
@@ -2140,7 +2061,7 @@
               <a:spcAft>
                 <a:spcPts val="1000"/>
               </a:spcAft>
-              <a:buFont typeface="Arial" panose="020B0604020202020204" pitchFamily="34" charset="0"/>
+              <a:buFont typeface="Arial" panose="020B0604020202090204" pitchFamily="34" charset="0"/>
               <a:buChar char="•"/>
               <a:tabLst>
                 <a:tab pos="1609725" algn="l"/>
@@ -2169,7 +2090,7 @@
               <a:spcAft>
                 <a:spcPts val="1000"/>
               </a:spcAft>
-              <a:buFont typeface="Arial" panose="020B0604020202020204" pitchFamily="34" charset="0"/>
+              <a:buFont typeface="Arial" panose="020B0604020202090204" pitchFamily="34" charset="0"/>
               <a:buChar char="•"/>
               <a:defRPr kumimoji="0" lang="zh-CN" altLang="en-US" sz="1600" b="0" i="0" u="none" strike="noStrike" kern="1200" cap="none" spc="150" normalizeH="0" baseline="0" noProof="1" dirty="0">
                 <a:solidFill>
@@ -2195,7 +2116,7 @@
               <a:spcAft>
                 <a:spcPts val="1000"/>
               </a:spcAft>
-              <a:buFont typeface="Arial" panose="020B0604020202020204" pitchFamily="34" charset="0"/>
+              <a:buFont typeface="Arial" panose="020B0604020202090204" pitchFamily="34" charset="0"/>
               <a:buChar char="•"/>
               <a:defRPr kumimoji="0" lang="zh-CN" altLang="en-US" sz="1600" b="0" i="0" u="none" strike="noStrike" kern="1200" cap="none" spc="150" normalizeH="0" baseline="0" noProof="1" dirty="0">
                 <a:solidFill>
@@ -2221,7 +2142,7 @@
               <a:spcAft>
                 <a:spcPts val="1000"/>
               </a:spcAft>
-              <a:buFont typeface="Arial" panose="020B0604020202020204" pitchFamily="34" charset="0"/>
+              <a:buFont typeface="Arial" panose="020B0604020202090204" pitchFamily="34" charset="0"/>
               <a:buChar char="•"/>
               <a:defRPr kumimoji="0" lang="zh-CN" altLang="en-US" sz="1600" b="0" i="0" u="none" strike="noStrike" kern="1200" cap="none" spc="150" normalizeH="0" baseline="0" noProof="1" dirty="0">
                 <a:solidFill>
@@ -2685,7 +2606,7 @@
               <a:spcAft>
                 <a:spcPts val="1000"/>
               </a:spcAft>
-              <a:buFont typeface="Arial" panose="020B0604020202020204" pitchFamily="34" charset="0"/>
+              <a:buFont typeface="Arial" panose="020B0604020202090204" pitchFamily="34" charset="0"/>
               <a:buChar char="•"/>
               <a:defRPr kumimoji="0" lang="zh-CN" altLang="en-US" sz="1600" b="0" i="0" u="none" strike="noStrike" kern="1200" cap="none" spc="150" normalizeH="0" baseline="0" noProof="1" dirty="0">
                 <a:solidFill>
@@ -2711,7 +2632,7 @@
               <a:spcAft>
                 <a:spcPts val="1000"/>
               </a:spcAft>
-              <a:buFont typeface="Arial" panose="020B0604020202020204" pitchFamily="34" charset="0"/>
+              <a:buFont typeface="Arial" panose="020B0604020202090204" pitchFamily="34" charset="0"/>
               <a:buChar char="•"/>
               <a:tabLst>
                 <a:tab pos="1609725" algn="l"/>
@@ -2740,7 +2661,7 @@
               <a:spcAft>
                 <a:spcPts val="1000"/>
               </a:spcAft>
-              <a:buFont typeface="Arial" panose="020B0604020202020204" pitchFamily="34" charset="0"/>
+              <a:buFont typeface="Arial" panose="020B0604020202090204" pitchFamily="34" charset="0"/>
               <a:buChar char="•"/>
               <a:defRPr kumimoji="0" lang="zh-CN" altLang="en-US" sz="1600" b="0" i="0" u="none" strike="noStrike" kern="1200" cap="none" spc="150" normalizeH="0" baseline="0" noProof="1" dirty="0">
                 <a:solidFill>
@@ -2766,7 +2687,7 @@
               <a:spcAft>
                 <a:spcPts val="1000"/>
               </a:spcAft>
-              <a:buFont typeface="Arial" panose="020B0604020202020204" pitchFamily="34" charset="0"/>
+              <a:buFont typeface="Arial" panose="020B0604020202090204" pitchFamily="34" charset="0"/>
               <a:buChar char="•"/>
               <a:defRPr kumimoji="0" lang="zh-CN" altLang="en-US" sz="1600" b="0" i="0" u="none" strike="noStrike" kern="1200" cap="none" spc="150" normalizeH="0" baseline="0" noProof="1" dirty="0">
                 <a:solidFill>
@@ -2792,7 +2713,7 @@
               <a:spcAft>
                 <a:spcPts val="1000"/>
               </a:spcAft>
-              <a:buFont typeface="Arial" panose="020B0604020202020204" pitchFamily="34" charset="0"/>
+              <a:buFont typeface="Arial" panose="020B0604020202090204" pitchFamily="34" charset="0"/>
               <a:buChar char="•"/>
               <a:defRPr kumimoji="0" lang="zh-CN" altLang="en-US" sz="1600" b="0" i="0" u="none" strike="noStrike" kern="1200" cap="none" spc="150" normalizeH="0" baseline="0" noProof="1" dirty="0">
                 <a:solidFill>
@@ -2905,7 +2826,7 @@
               <a:spcAft>
                 <a:spcPts val="0"/>
               </a:spcAft>
-              <a:buFont typeface="Arial" panose="020B0604020202020204" pitchFamily="34" charset="0"/>
+              <a:buFont typeface="Arial" panose="020B0604020202090204" pitchFamily="34" charset="0"/>
               <a:buNone/>
               <a:defRPr kumimoji="0" lang="zh-CN" altLang="en-US" sz="2000" b="1" i="0" u="none" strike="noStrike" kern="1200" cap="none" spc="200" normalizeH="0" baseline="0" noProof="1" dirty="0">
                 <a:solidFill>
@@ -2999,7 +2920,7 @@
               <a:spcAft>
                 <a:spcPts val="1000"/>
               </a:spcAft>
-              <a:buFont typeface="Arial" panose="020B0604020202020204" pitchFamily="34" charset="0"/>
+              <a:buFont typeface="Arial" panose="020B0604020202090204" pitchFamily="34" charset="0"/>
               <a:buChar char="•"/>
               <a:defRPr kumimoji="0" lang="zh-CN" altLang="en-US" sz="1600" b="0" i="0" u="none" strike="noStrike" kern="1200" cap="none" spc="150" normalizeH="0" baseline="0" noProof="1" dirty="0">
                 <a:solidFill>
@@ -3025,7 +2946,7 @@
               <a:spcAft>
                 <a:spcPts val="1000"/>
               </a:spcAft>
-              <a:buFont typeface="Arial" panose="020B0604020202020204" pitchFamily="34" charset="0"/>
+              <a:buFont typeface="Arial" panose="020B0604020202090204" pitchFamily="34" charset="0"/>
               <a:buChar char="•"/>
               <a:tabLst>
                 <a:tab pos="1609725" algn="l"/>
@@ -3054,7 +2975,7 @@
               <a:spcAft>
                 <a:spcPts val="1000"/>
               </a:spcAft>
-              <a:buFont typeface="Arial" panose="020B0604020202020204" pitchFamily="34" charset="0"/>
+              <a:buFont typeface="Arial" panose="020B0604020202090204" pitchFamily="34" charset="0"/>
               <a:buChar char="•"/>
               <a:defRPr kumimoji="0" lang="zh-CN" altLang="en-US" sz="1600" b="0" i="0" u="none" strike="noStrike" kern="1200" cap="none" spc="150" normalizeH="0" baseline="0" noProof="1" dirty="0">
                 <a:solidFill>
@@ -3080,7 +3001,7 @@
               <a:spcAft>
                 <a:spcPts val="1000"/>
               </a:spcAft>
-              <a:buFont typeface="Arial" panose="020B0604020202020204" pitchFamily="34" charset="0"/>
+              <a:buFont typeface="Arial" panose="020B0604020202090204" pitchFamily="34" charset="0"/>
               <a:buChar char="•"/>
               <a:defRPr kumimoji="0" lang="zh-CN" altLang="en-US" sz="1600" b="0" i="0" u="none" strike="noStrike" kern="1200" cap="none" spc="150" normalizeH="0" baseline="0" noProof="1" dirty="0">
                 <a:solidFill>
@@ -3106,7 +3027,7 @@
               <a:spcAft>
                 <a:spcPts val="1000"/>
               </a:spcAft>
-              <a:buFont typeface="Arial" panose="020B0604020202020204" pitchFamily="34" charset="0"/>
+              <a:buFont typeface="Arial" panose="020B0604020202090204" pitchFamily="34" charset="0"/>
               <a:buChar char="•"/>
               <a:defRPr kumimoji="0" lang="zh-CN" altLang="en-US" sz="1600" b="0" i="0" u="none" strike="noStrike" kern="1200" cap="none" spc="150" normalizeH="0" baseline="0" noProof="1" dirty="0">
                 <a:solidFill>
@@ -3560,7 +3481,7 @@
               <a:spcAft>
                 <a:spcPts val="1000"/>
               </a:spcAft>
-              <a:buFont typeface="Arial" panose="020B0604020202020204" pitchFamily="34" charset="0"/>
+              <a:buFont typeface="Arial" panose="020B0604020202090204" pitchFamily="34" charset="0"/>
               <a:buNone/>
               <a:defRPr kumimoji="0" lang="zh-CN" altLang="en-US" sz="1600" b="0" i="0" u="none" strike="noStrike" kern="1200" cap="none" spc="150" normalizeH="0" baseline="0" noProof="1" dirty="0">
                 <a:solidFill>
@@ -3586,7 +3507,7 @@
               <a:spcAft>
                 <a:spcPts val="1000"/>
               </a:spcAft>
-              <a:buFont typeface="Arial" panose="020B0604020202020204" pitchFamily="34" charset="0"/>
+              <a:buFont typeface="Arial" panose="020B0604020202090204" pitchFamily="34" charset="0"/>
               <a:buChar char="•"/>
               <a:tabLst>
                 <a:tab pos="1609725" algn="l"/>
@@ -3612,7 +3533,7 @@
               <a:spcAft>
                 <a:spcPts val="1000"/>
               </a:spcAft>
-              <a:buFont typeface="Arial" panose="020B0604020202020204" pitchFamily="34" charset="0"/>
+              <a:buFont typeface="Arial" panose="020B0604020202090204" pitchFamily="34" charset="0"/>
               <a:buChar char="•"/>
               <a:defRPr kumimoji="0" lang="zh-CN" altLang="en-US" sz="1600" b="0" i="0" u="none" strike="noStrike" kern="1200" cap="none" spc="150" normalizeH="0" baseline="0" noProof="1" dirty="0">
                 <a:solidFill>
@@ -3635,7 +3556,7 @@
               <a:spcAft>
                 <a:spcPts val="1000"/>
               </a:spcAft>
-              <a:buFont typeface="Arial" panose="020B0604020202020204" pitchFamily="34" charset="0"/>
+              <a:buFont typeface="Arial" panose="020B0604020202090204" pitchFamily="34" charset="0"/>
               <a:buChar char="•"/>
               <a:defRPr kumimoji="0" lang="zh-CN" altLang="en-US" sz="1600" b="0" i="0" u="none" strike="noStrike" kern="1200" cap="none" spc="150" normalizeH="0" baseline="0" noProof="1" dirty="0">
                 <a:solidFill>
@@ -3658,7 +3579,7 @@
               <a:spcAft>
                 <a:spcPts val="1000"/>
               </a:spcAft>
-              <a:buFont typeface="Arial" panose="020B0604020202020204" pitchFamily="34" charset="0"/>
+              <a:buFont typeface="Arial" panose="020B0604020202090204" pitchFamily="34" charset="0"/>
               <a:buChar char="•"/>
               <a:defRPr kumimoji="0" lang="zh-CN" altLang="en-US" sz="1600" b="0" i="0" u="none" strike="noStrike" kern="1200" cap="none" spc="150" normalizeH="0" baseline="0" noProof="1" dirty="0">
                 <a:solidFill>
@@ -3714,7 +3635,7 @@
               <a:spcAft>
                 <a:spcPts val="1000"/>
               </a:spcAft>
-              <a:buFont typeface="Arial" panose="020B0604020202020204" pitchFamily="34" charset="0"/>
+              <a:buFont typeface="Arial" panose="020B0604020202090204" pitchFamily="34" charset="0"/>
               <a:buChar char="•"/>
               <a:defRPr kumimoji="0" lang="zh-CN" altLang="en-US" sz="1600" b="0" i="0" u="none" strike="noStrike" kern="1200" cap="none" spc="150" normalizeH="0" baseline="0" noProof="1" dirty="0">
                 <a:solidFill>
@@ -4483,7 +4404,7 @@
         <a:spcAft>
           <a:spcPts val="1000"/>
         </a:spcAft>
-        <a:buFont typeface="Arial" panose="020B0604020202020204" pitchFamily="34" charset="0"/>
+        <a:buFont typeface="Arial" panose="020B0604020202090204" pitchFamily="34" charset="0"/>
         <a:buChar char="•"/>
         <a:defRPr sz="1600" u="none" strike="noStrike" kern="1200" cap="none" spc="150" normalizeH="0" baseline="0">
           <a:solidFill>
@@ -4505,7 +4426,7 @@
         <a:spcAft>
           <a:spcPts val="1000"/>
         </a:spcAft>
-        <a:buFont typeface="Arial" panose="020B0604020202020204" pitchFamily="34" charset="0"/>
+        <a:buFont typeface="Arial" panose="020B0604020202090204" pitchFamily="34" charset="0"/>
         <a:buChar char="•"/>
         <a:tabLst>
           <a:tab pos="1609725" algn="l"/>
@@ -4530,7 +4451,7 @@
         <a:spcAft>
           <a:spcPts val="1000"/>
         </a:spcAft>
-        <a:buFont typeface="Arial" panose="020B0604020202020204" pitchFamily="34" charset="0"/>
+        <a:buFont typeface="Arial" panose="020B0604020202090204" pitchFamily="34" charset="0"/>
         <a:buChar char="•"/>
         <a:defRPr sz="1600" u="none" strike="noStrike" kern="1200" cap="none" spc="150" normalizeH="0" baseline="0">
           <a:solidFill>
@@ -4552,7 +4473,7 @@
         <a:spcAft>
           <a:spcPts val="1000"/>
         </a:spcAft>
-        <a:buFont typeface="Arial" panose="020B0604020202020204" pitchFamily="34" charset="0"/>
+        <a:buFont typeface="Arial" panose="020B0604020202090204" pitchFamily="34" charset="0"/>
         <a:buChar char="•"/>
         <a:defRPr sz="1600" u="none" strike="noStrike" kern="1200" cap="none" spc="150" normalizeH="0" baseline="0">
           <a:solidFill>
@@ -4574,7 +4495,7 @@
         <a:spcAft>
           <a:spcPts val="1000"/>
         </a:spcAft>
-        <a:buFont typeface="Arial" panose="020B0604020202020204" pitchFamily="34" charset="0"/>
+        <a:buFont typeface="Arial" panose="020B0604020202090204" pitchFamily="34" charset="0"/>
         <a:buChar char="•"/>
         <a:defRPr sz="1600" u="none" strike="noStrike" kern="1200" cap="none" spc="150" normalizeH="0" baseline="0">
           <a:solidFill>
@@ -4593,7 +4514,7 @@
         <a:spcBef>
           <a:spcPts val="500"/>
         </a:spcBef>
-        <a:buFont typeface="Arial" panose="020B0604020202020204" pitchFamily="34" charset="0"/>
+        <a:buFont typeface="Arial" panose="020B0604020202090204" pitchFamily="34" charset="0"/>
         <a:buChar char="•"/>
         <a:defRPr sz="1800" kern="1200">
           <a:solidFill>
@@ -4611,7 +4532,7 @@
         <a:spcBef>
           <a:spcPts val="500"/>
         </a:spcBef>
-        <a:buFont typeface="Arial" panose="020B0604020202020204" pitchFamily="34" charset="0"/>
+        <a:buFont typeface="Arial" panose="020B0604020202090204" pitchFamily="34" charset="0"/>
         <a:buChar char="•"/>
         <a:defRPr sz="1800" kern="1200">
           <a:solidFill>
@@ -4629,7 +4550,7 @@
         <a:spcBef>
           <a:spcPts val="500"/>
         </a:spcBef>
-        <a:buFont typeface="Arial" panose="020B0604020202020204" pitchFamily="34" charset="0"/>
+        <a:buFont typeface="Arial" panose="020B0604020202090204" pitchFamily="34" charset="0"/>
         <a:buChar char="•"/>
         <a:defRPr sz="1800" kern="1200">
           <a:solidFill>
@@ -4647,7 +4568,7 @@
         <a:spcBef>
           <a:spcPts val="500"/>
         </a:spcBef>
-        <a:buFont typeface="Arial" panose="020B0604020202020204" pitchFamily="34" charset="0"/>
+        <a:buFont typeface="Arial" panose="020B0604020202090204" pitchFamily="34" charset="0"/>
         <a:buChar char="•"/>
         <a:defRPr sz="1800" kern="1200">
           <a:solidFill>
@@ -4761,237 +4682,6 @@
 <file path=ppt/slides/slide1.xml><?xml version="1.0" encoding="utf-8"?>
 <p:sld xmlns:a="http://schemas.openxmlformats.org/drawingml/2006/main" xmlns:r="http://schemas.openxmlformats.org/officeDocument/2006/relationships" xmlns:p="http://schemas.openxmlformats.org/presentationml/2006/main">
   <p:cSld>
-    <p:bg>
-      <p:bgPr>
-        <a:solidFill>
-          <a:srgbClr val="CCFF00"/>
-        </a:solidFill>
-        <a:effectLst/>
-      </p:bgPr>
-    </p:bg>
-    <p:spTree>
-      <p:nvGrpSpPr>
-        <p:cNvPr id="1" name=""/>
-        <p:cNvGrpSpPr/>
-        <p:nvPr/>
-      </p:nvGrpSpPr>
-      <p:grpSpPr>
-        <a:xfrm>
-          <a:off x="0" y="0"/>
-          <a:ext cx="0" cy="0"/>
-          <a:chOff x="0" y="0"/>
-          <a:chExt cx="0" cy="0"/>
-        </a:xfrm>
-      </p:grpSpPr>
-      <p:pic>
-        <p:nvPicPr>
-          <p:cNvPr id="6" name="图片 5" descr="Untitled-1"/>
-          <p:cNvPicPr>
-            <a:picLocks noChangeAspect="1"/>
-          </p:cNvPicPr>
-          <p:nvPr/>
-        </p:nvPicPr>
-        <p:blipFill>
-          <a:blip r:embed="rId1"/>
-          <a:stretch>
-            <a:fillRect/>
-          </a:stretch>
-        </p:blipFill>
-        <p:spPr>
-          <a:xfrm>
-            <a:off x="612140" y="242570"/>
-            <a:ext cx="10058400" cy="6372860"/>
-          </a:xfrm>
-          <a:prstGeom prst="rect">
-            <a:avLst/>
-          </a:prstGeom>
-          <a:noFill/>
-        </p:spPr>
-      </p:pic>
-      <p:cxnSp>
-        <p:nvCxnSpPr>
-          <p:cNvPr id="8" name="肘形连接符 7"/>
-          <p:cNvCxnSpPr/>
-          <p:nvPr/>
-        </p:nvCxnSpPr>
-        <p:spPr>
-          <a:xfrm rot="5400000">
-            <a:off x="4614545" y="3067685"/>
-            <a:ext cx="1536700" cy="351155"/>
-          </a:xfrm>
-          <a:prstGeom prst="bentConnector3">
-            <a:avLst>
-              <a:gd name="adj1" fmla="val 81838"/>
-            </a:avLst>
-          </a:prstGeom>
-          <a:ln>
-            <a:tailEnd type="arrow"/>
-          </a:ln>
-        </p:spPr>
-        <p:style>
-          <a:lnRef idx="1">
-            <a:schemeClr val="accent1"/>
-          </a:lnRef>
-          <a:fillRef idx="0">
-            <a:schemeClr val="accent1"/>
-          </a:fillRef>
-          <a:effectRef idx="0">
-            <a:schemeClr val="accent1"/>
-          </a:effectRef>
-          <a:fontRef idx="minor">
-            <a:schemeClr val="tx1"/>
-          </a:fontRef>
-        </p:style>
-      </p:cxnSp>
-      <p:cxnSp>
-        <p:nvCxnSpPr>
-          <p:cNvPr id="9" name="肘形连接符 8"/>
-          <p:cNvCxnSpPr/>
-          <p:nvPr/>
-        </p:nvCxnSpPr>
-        <p:spPr>
-          <a:xfrm rot="5400000" flipV="1">
-            <a:off x="4728210" y="3364230"/>
-            <a:ext cx="1075690" cy="219710"/>
-          </a:xfrm>
-          <a:prstGeom prst="bentConnector3">
-            <a:avLst>
-              <a:gd name="adj1" fmla="val 15584"/>
-            </a:avLst>
-          </a:prstGeom>
-          <a:ln>
-            <a:tailEnd type="arrow" w="med" len="med"/>
-          </a:ln>
-        </p:spPr>
-        <p:style>
-          <a:lnRef idx="1">
-            <a:schemeClr val="accent2"/>
-          </a:lnRef>
-          <a:fillRef idx="0">
-            <a:schemeClr val="accent2"/>
-          </a:fillRef>
-          <a:effectRef idx="0">
-            <a:schemeClr val="accent2"/>
-          </a:effectRef>
-          <a:fontRef idx="minor">
-            <a:schemeClr val="tx1"/>
-          </a:fontRef>
-        </p:style>
-      </p:cxnSp>
-      <p:cxnSp>
-        <p:nvCxnSpPr>
-          <p:cNvPr id="13" name="直接连接符 12"/>
-          <p:cNvCxnSpPr/>
-          <p:nvPr/>
-        </p:nvCxnSpPr>
-        <p:spPr>
-          <a:xfrm>
-            <a:off x="4619625" y="3427095"/>
-            <a:ext cx="0" cy="179070"/>
-          </a:xfrm>
-          <a:prstGeom prst="line">
-            <a:avLst/>
-          </a:prstGeom>
-        </p:spPr>
-        <p:style>
-          <a:lnRef idx="1">
-            <a:schemeClr val="accent1"/>
-          </a:lnRef>
-          <a:fillRef idx="0">
-            <a:schemeClr val="accent1"/>
-          </a:fillRef>
-          <a:effectRef idx="0">
-            <a:schemeClr val="accent1"/>
-          </a:effectRef>
-          <a:fontRef idx="minor">
-            <a:schemeClr val="tx1"/>
-          </a:fontRef>
-        </p:style>
-      </p:cxnSp>
-      <p:cxnSp>
-        <p:nvCxnSpPr>
-          <p:cNvPr id="14" name="肘形连接符 13"/>
-          <p:cNvCxnSpPr/>
-          <p:nvPr/>
-        </p:nvCxnSpPr>
-        <p:spPr>
-          <a:xfrm>
-            <a:off x="4617085" y="3606165"/>
-            <a:ext cx="1049655" cy="405765"/>
-          </a:xfrm>
-          <a:prstGeom prst="bentConnector3">
-            <a:avLst>
-              <a:gd name="adj1" fmla="val 100000"/>
-            </a:avLst>
-          </a:prstGeom>
-          <a:ln>
-            <a:tailEnd type="arrow" w="med" len="med"/>
-          </a:ln>
-        </p:spPr>
-        <p:style>
-          <a:lnRef idx="1">
-            <a:schemeClr val="accent2"/>
-          </a:lnRef>
-          <a:fillRef idx="0">
-            <a:schemeClr val="accent2"/>
-          </a:fillRef>
-          <a:effectRef idx="0">
-            <a:schemeClr val="accent2"/>
-          </a:effectRef>
-          <a:fontRef idx="minor">
-            <a:schemeClr val="tx1"/>
-          </a:fontRef>
-        </p:style>
-      </p:cxnSp>
-      <p:cxnSp>
-        <p:nvCxnSpPr>
-          <p:cNvPr id="20" name="肘形连接符 19"/>
-          <p:cNvCxnSpPr/>
-          <p:nvPr/>
-        </p:nvCxnSpPr>
-        <p:spPr>
-          <a:xfrm rot="5400000">
-            <a:off x="5192395" y="3257550"/>
-            <a:ext cx="1066800" cy="423545"/>
-          </a:xfrm>
-          <a:prstGeom prst="bentConnector3">
-            <a:avLst>
-              <a:gd name="adj1" fmla="val 13720"/>
-            </a:avLst>
-          </a:prstGeom>
-          <a:ln>
-            <a:tailEnd type="arrow" w="med" len="med"/>
-          </a:ln>
-        </p:spPr>
-        <p:style>
-          <a:lnRef idx="1">
-            <a:schemeClr val="accent2"/>
-          </a:lnRef>
-          <a:fillRef idx="0">
-            <a:schemeClr val="accent2"/>
-          </a:fillRef>
-          <a:effectRef idx="0">
-            <a:schemeClr val="accent2"/>
-          </a:effectRef>
-          <a:fontRef idx="minor">
-            <a:schemeClr val="tx1"/>
-          </a:fontRef>
-        </p:style>
-      </p:cxnSp>
-    </p:spTree>
-    <p:custDataLst>
-      <p:tags r:id="rId2"/>
-    </p:custDataLst>
-  </p:cSld>
-  <p:clrMapOvr>
-    <a:masterClrMapping/>
-  </p:clrMapOvr>
-</p:sld>
-</file>
-
-<file path=ppt/slides/slide2.xml><?xml version="1.0" encoding="utf-8"?>
-<p:sld xmlns:a="http://schemas.openxmlformats.org/drawingml/2006/main" xmlns:r="http://schemas.openxmlformats.org/officeDocument/2006/relationships" xmlns:p="http://schemas.openxmlformats.org/presentationml/2006/main">
-  <p:cSld>
     <p:spTree>
       <p:nvGrpSpPr>
         <p:cNvPr id="1" name=""/>
@@ -5680,8 +5370,8 @@
         </p:nvSpPr>
         <p:spPr>
           <a:xfrm>
-            <a:off x="7042150" y="5455920"/>
-            <a:ext cx="3324225" cy="521970"/>
+            <a:off x="6678295" y="5472430"/>
+            <a:ext cx="4115435" cy="521970"/>
           </a:xfrm>
           <a:prstGeom prst="rect">
             <a:avLst/>
@@ -5700,7 +5390,7 @@
             </a:pPr>
             <a:r>
               <a:rPr lang="en-US" altLang="zh-CN" sz="2800"/>
-              <a:t>[ 0, 1, 1, 2, 2, 2, 2 ]</a:t>
+              <a:t>[ 0, 0, 1, 1, 2, 2, 2, 2 ]</a:t>
             </a:r>
             <a:endParaRPr lang="en-US" altLang="zh-CN" sz="2800"/>
           </a:p>
@@ -5948,8 +5638,8 @@
         </p:nvGrpSpPr>
         <p:grpSpPr>
           <a:xfrm flipH="1">
-            <a:off x="7339352" y="3033395"/>
-            <a:ext cx="469894" cy="2464533"/>
+            <a:off x="7339330" y="3033395"/>
+            <a:ext cx="506730" cy="2464435"/>
             <a:chOff x="10791" y="2812"/>
             <a:chExt cx="2399" cy="7941"/>
           </a:xfrm>
@@ -6069,8 +5759,8 @@
         </p:nvGrpSpPr>
         <p:grpSpPr>
           <a:xfrm>
-            <a:off x="8228352" y="3020572"/>
-            <a:ext cx="1155638" cy="2514190"/>
+            <a:off x="8267065" y="3020695"/>
+            <a:ext cx="1116965" cy="2513965"/>
             <a:chOff x="10791" y="2607"/>
             <a:chExt cx="5900" cy="8101"/>
           </a:xfrm>
@@ -6191,7 +5881,7 @@
         <p:grpSpPr>
           <a:xfrm flipH="1">
             <a:off x="5600065" y="4354195"/>
-            <a:ext cx="2987029" cy="1181523"/>
+            <a:ext cx="3061335" cy="1181735"/>
             <a:chOff x="-2115" y="2812"/>
             <a:chExt cx="15250" cy="3807"/>
           </a:xfrm>
@@ -6301,7 +5991,7 @@
         <p:grpSpPr>
           <a:xfrm>
             <a:off x="6947535" y="4354195"/>
-            <a:ext cx="2071370" cy="1180465"/>
+            <a:ext cx="2091690" cy="1180465"/>
             <a:chOff x="10941" y="6857"/>
             <a:chExt cx="3262" cy="1859"/>
           </a:xfrm>
@@ -6522,8 +6212,8 @@
         </p:nvGrpSpPr>
         <p:grpSpPr>
           <a:xfrm flipH="1">
-            <a:off x="9850755" y="4354195"/>
-            <a:ext cx="1236345" cy="1159510"/>
+            <a:off x="9827260" y="4354195"/>
+            <a:ext cx="1259840" cy="1159510"/>
             <a:chOff x="12236" y="6890"/>
             <a:chExt cx="1947" cy="1826"/>
           </a:xfrm>
@@ -7392,24 +7082,6 @@
 </file>
 
 <file path=ppt/tags/tag62.xml><?xml version="1.0" encoding="utf-8"?>
-<p:tagLst xmlns:p="http://schemas.openxmlformats.org/presentationml/2006/main">
-  <p:tag name="KSO_WM_TEMPLATE_THUMBS_INDEX" val="1、2、3、6、8、10、11、12、15"/>
-  <p:tag name="KSO_WM_SLIDE_ID" val="custom20187308_1"/>
-  <p:tag name="KSO_WM_TEMPLATE_SUBCATEGORY" val="0"/>
-  <p:tag name="KSO_WM_SLIDE_TYPE" val="title"/>
-  <p:tag name="KSO_WM_SLIDE_SUBTYPE" val="pureTxt"/>
-  <p:tag name="KSO_WM_SLIDE_ITEM_CNT" val="0"/>
-  <p:tag name="KSO_WM_SLIDE_INDEX" val="1"/>
-  <p:tag name="KSO_WM_TAG_VERSION" val="1.0"/>
-  <p:tag name="KSO_WM_BEAUTIFY_FLAG" val="#wm#"/>
-  <p:tag name="KSO_WM_TEMPLATE_CATEGORY" val="custom"/>
-  <p:tag name="KSO_WM_TEMPLATE_INDEX" val="20187308"/>
-  <p:tag name="KSO_WM_SLIDE_LAYOUT" val="a_b"/>
-  <p:tag name="KSO_WM_SLIDE_LAYOUT_CNT" val="1_1"/>
-</p:tagLst>
-</file>
-
-<file path=ppt/tags/tag63.xml><?xml version="1.0" encoding="utf-8"?>
 <p:tagLst xmlns:p="http://schemas.openxmlformats.org/presentationml/2006/main">
   <p:tag name="KSO_WM_BEAUTIFY_FLAG" val="#wm#"/>
   <p:tag name="KSO_WM_TEMPLATE_CATEGORY" val="custom"/>
